--- a/Apresentações/Modulo 7/M07A02.pptx
+++ b/Apresentações/Modulo 7/M07A02.pptx
@@ -248,7 +248,7 @@
           <a:p>
             <a:fld id="{F36A889A-630D-4AE9-9509-7F3A71457833}" type="datetimeFigureOut">
               <a:rPr lang="pt-BR" smtClean="0"/>
-              <a:t>26/06/2015</a:t>
+              <a:t>04/07/2015</a:t>
             </a:fld>
             <a:endParaRPr lang="pt-BR"/>
           </a:p>
@@ -418,7 +418,7 @@
           <a:p>
             <a:fld id="{F36A889A-630D-4AE9-9509-7F3A71457833}" type="datetimeFigureOut">
               <a:rPr lang="pt-BR" smtClean="0"/>
-              <a:t>26/06/2015</a:t>
+              <a:t>04/07/2015</a:t>
             </a:fld>
             <a:endParaRPr lang="pt-BR"/>
           </a:p>
@@ -598,7 +598,7 @@
           <a:p>
             <a:fld id="{F36A889A-630D-4AE9-9509-7F3A71457833}" type="datetimeFigureOut">
               <a:rPr lang="pt-BR" smtClean="0"/>
-              <a:t>26/06/2015</a:t>
+              <a:t>04/07/2015</a:t>
             </a:fld>
             <a:endParaRPr lang="pt-BR"/>
           </a:p>
@@ -768,7 +768,7 @@
           <a:p>
             <a:fld id="{F36A889A-630D-4AE9-9509-7F3A71457833}" type="datetimeFigureOut">
               <a:rPr lang="pt-BR" smtClean="0"/>
-              <a:t>26/06/2015</a:t>
+              <a:t>04/07/2015</a:t>
             </a:fld>
             <a:endParaRPr lang="pt-BR"/>
           </a:p>
@@ -1014,7 +1014,7 @@
           <a:p>
             <a:fld id="{F36A889A-630D-4AE9-9509-7F3A71457833}" type="datetimeFigureOut">
               <a:rPr lang="pt-BR" smtClean="0"/>
-              <a:t>26/06/2015</a:t>
+              <a:t>04/07/2015</a:t>
             </a:fld>
             <a:endParaRPr lang="pt-BR"/>
           </a:p>
@@ -1246,7 +1246,7 @@
           <a:p>
             <a:fld id="{F36A889A-630D-4AE9-9509-7F3A71457833}" type="datetimeFigureOut">
               <a:rPr lang="pt-BR" smtClean="0"/>
-              <a:t>26/06/2015</a:t>
+              <a:t>04/07/2015</a:t>
             </a:fld>
             <a:endParaRPr lang="pt-BR"/>
           </a:p>
@@ -1613,7 +1613,7 @@
           <a:p>
             <a:fld id="{F36A889A-630D-4AE9-9509-7F3A71457833}" type="datetimeFigureOut">
               <a:rPr lang="pt-BR" smtClean="0"/>
-              <a:t>26/06/2015</a:t>
+              <a:t>04/07/2015</a:t>
             </a:fld>
             <a:endParaRPr lang="pt-BR"/>
           </a:p>
@@ -1731,7 +1731,7 @@
           <a:p>
             <a:fld id="{F36A889A-630D-4AE9-9509-7F3A71457833}" type="datetimeFigureOut">
               <a:rPr lang="pt-BR" smtClean="0"/>
-              <a:t>26/06/2015</a:t>
+              <a:t>04/07/2015</a:t>
             </a:fld>
             <a:endParaRPr lang="pt-BR"/>
           </a:p>
@@ -1826,7 +1826,7 @@
           <a:p>
             <a:fld id="{F36A889A-630D-4AE9-9509-7F3A71457833}" type="datetimeFigureOut">
               <a:rPr lang="pt-BR" smtClean="0"/>
-              <a:t>26/06/2015</a:t>
+              <a:t>04/07/2015</a:t>
             </a:fld>
             <a:endParaRPr lang="pt-BR"/>
           </a:p>
@@ -2103,7 +2103,7 @@
           <a:p>
             <a:fld id="{F36A889A-630D-4AE9-9509-7F3A71457833}" type="datetimeFigureOut">
               <a:rPr lang="pt-BR" smtClean="0"/>
-              <a:t>26/06/2015</a:t>
+              <a:t>04/07/2015</a:t>
             </a:fld>
             <a:endParaRPr lang="pt-BR"/>
           </a:p>
@@ -2356,7 +2356,7 @@
           <a:p>
             <a:fld id="{F36A889A-630D-4AE9-9509-7F3A71457833}" type="datetimeFigureOut">
               <a:rPr lang="pt-BR" smtClean="0"/>
-              <a:t>26/06/2015</a:t>
+              <a:t>04/07/2015</a:t>
             </a:fld>
             <a:endParaRPr lang="pt-BR"/>
           </a:p>
@@ -2569,7 +2569,7 @@
           <a:p>
             <a:fld id="{F36A889A-630D-4AE9-9509-7F3A71457833}" type="datetimeFigureOut">
               <a:rPr lang="pt-BR" smtClean="0"/>
-              <a:t>26/06/2015</a:t>
+              <a:t>04/07/2015</a:t>
             </a:fld>
             <a:endParaRPr lang="pt-BR"/>
           </a:p>
@@ -3436,12 +3436,12 @@
               <a:t>São utilitários para </a:t>
             </a:r>
             <a:r>
-              <a:rPr lang="pt-BR" dirty="0" err="1" smtClean="0"/>
-              <a:t>contrução</a:t>
-            </a:r>
-            <a:r>
               <a:rPr lang="pt-BR" dirty="0" smtClean="0"/>
-              <a:t> de componentes do </a:t>
+              <a:t>construção </a:t>
+            </a:r>
+            <a:r>
+              <a:rPr lang="pt-BR" dirty="0" smtClean="0"/>
+              <a:t>de componentes do </a:t>
             </a:r>
             <a:r>
               <a:rPr lang="pt-BR" dirty="0" err="1" smtClean="0"/>
